--- a/bandits_and_rl/RL.pptx
+++ b/bandits_and_rl/RL.pptx
@@ -306,7 +306,7 @@
           <a:p>
             <a:fld id="{4E4AE0EF-4A37-47E1-AB6E-64F9D83DD0EA}" type="datetimeFigureOut">
               <a:rPr lang="en-US" smtClean="0"/>
-              <a:t>11/14/2017</a:t>
+              <a:t>11/15/2017</a:t>
             </a:fld>
             <a:endParaRPr lang="en-US"/>
           </a:p>
@@ -504,7 +504,7 @@
           <a:p>
             <a:fld id="{4E4AE0EF-4A37-47E1-AB6E-64F9D83DD0EA}" type="datetimeFigureOut">
               <a:rPr lang="en-US" smtClean="0"/>
-              <a:t>11/14/2017</a:t>
+              <a:t>11/15/2017</a:t>
             </a:fld>
             <a:endParaRPr lang="en-US"/>
           </a:p>
@@ -712,7 +712,7 @@
           <a:p>
             <a:fld id="{4E4AE0EF-4A37-47E1-AB6E-64F9D83DD0EA}" type="datetimeFigureOut">
               <a:rPr lang="en-US" smtClean="0"/>
-              <a:t>11/14/2017</a:t>
+              <a:t>11/15/2017</a:t>
             </a:fld>
             <a:endParaRPr lang="en-US"/>
           </a:p>
@@ -1052,7 +1052,7 @@
           <a:p>
             <a:fld id="{4E4AE0EF-4A37-47E1-AB6E-64F9D83DD0EA}" type="datetimeFigureOut">
               <a:rPr lang="en-US" smtClean="0"/>
-              <a:t>11/14/2017</a:t>
+              <a:t>11/15/2017</a:t>
             </a:fld>
             <a:endParaRPr lang="en-US"/>
           </a:p>
@@ -1327,7 +1327,7 @@
           <a:p>
             <a:fld id="{4E4AE0EF-4A37-47E1-AB6E-64F9D83DD0EA}" type="datetimeFigureOut">
               <a:rPr lang="en-US" smtClean="0"/>
-              <a:t>11/14/2017</a:t>
+              <a:t>11/15/2017</a:t>
             </a:fld>
             <a:endParaRPr lang="en-US"/>
           </a:p>
@@ -1592,7 +1592,7 @@
           <a:p>
             <a:fld id="{4E4AE0EF-4A37-47E1-AB6E-64F9D83DD0EA}" type="datetimeFigureOut">
               <a:rPr lang="en-US" smtClean="0"/>
-              <a:t>11/14/2017</a:t>
+              <a:t>11/15/2017</a:t>
             </a:fld>
             <a:endParaRPr lang="en-US"/>
           </a:p>
@@ -2004,7 +2004,7 @@
           <a:p>
             <a:fld id="{4E4AE0EF-4A37-47E1-AB6E-64F9D83DD0EA}" type="datetimeFigureOut">
               <a:rPr lang="en-US" smtClean="0"/>
-              <a:t>11/14/2017</a:t>
+              <a:t>11/15/2017</a:t>
             </a:fld>
             <a:endParaRPr lang="en-US"/>
           </a:p>
@@ -2145,7 +2145,7 @@
           <a:p>
             <a:fld id="{4E4AE0EF-4A37-47E1-AB6E-64F9D83DD0EA}" type="datetimeFigureOut">
               <a:rPr lang="en-US" smtClean="0"/>
-              <a:t>11/14/2017</a:t>
+              <a:t>11/15/2017</a:t>
             </a:fld>
             <a:endParaRPr lang="en-US"/>
           </a:p>
@@ -2258,7 +2258,7 @@
           <a:p>
             <a:fld id="{4E4AE0EF-4A37-47E1-AB6E-64F9D83DD0EA}" type="datetimeFigureOut">
               <a:rPr lang="en-US" smtClean="0"/>
-              <a:t>11/14/2017</a:t>
+              <a:t>11/15/2017</a:t>
             </a:fld>
             <a:endParaRPr lang="en-US"/>
           </a:p>
@@ -2569,7 +2569,7 @@
           <a:p>
             <a:fld id="{4E4AE0EF-4A37-47E1-AB6E-64F9D83DD0EA}" type="datetimeFigureOut">
               <a:rPr lang="en-US" smtClean="0"/>
-              <a:t>11/14/2017</a:t>
+              <a:t>11/15/2017</a:t>
             </a:fld>
             <a:endParaRPr lang="en-US"/>
           </a:p>
@@ -2857,7 +2857,7 @@
           <a:p>
             <a:fld id="{4E4AE0EF-4A37-47E1-AB6E-64F9D83DD0EA}" type="datetimeFigureOut">
               <a:rPr lang="en-US" smtClean="0"/>
-              <a:t>11/14/2017</a:t>
+              <a:t>11/15/2017</a:t>
             </a:fld>
             <a:endParaRPr lang="en-US"/>
           </a:p>
@@ -3098,7 +3098,7 @@
           <a:p>
             <a:fld id="{4E4AE0EF-4A37-47E1-AB6E-64F9D83DD0EA}" type="datetimeFigureOut">
               <a:rPr lang="en-US" smtClean="0"/>
-              <a:t>11/14/2017</a:t>
+              <a:t>11/15/2017</a:t>
             </a:fld>
             <a:endParaRPr lang="en-US"/>
           </a:p>
@@ -10199,8 +10199,8 @@
           <a:chExt cx="0" cy="0"/>
         </a:xfrm>
       </p:grpSpPr>
-      <mc:AlternateContent xmlns:mc="http://schemas.openxmlformats.org/markup-compatibility/2006">
-        <mc:Choice xmlns:a14="http://schemas.microsoft.com/office/drawing/2010/main" Requires="a14">
+      <mc:AlternateContent xmlns:mc="http://schemas.openxmlformats.org/markup-compatibility/2006" xmlns:a14="http://schemas.microsoft.com/office/drawing/2010/main">
+        <mc:Choice Requires="a14">
           <p:sp>
             <p:nvSpPr>
               <p:cNvPr id="2" name="Title 1">
@@ -10258,7 +10258,7 @@
             </p:txBody>
           </p:sp>
         </mc:Choice>
-        <mc:Fallback>
+        <mc:Fallback xmlns="">
           <p:sp>
             <p:nvSpPr>
               <p:cNvPr id="2" name="Title 1">
@@ -11341,8 +11341,8 @@
           </p:sp>
         </mc:Fallback>
       </mc:AlternateContent>
-      <mc:AlternateContent xmlns:mc="http://schemas.openxmlformats.org/markup-compatibility/2006">
-        <mc:Choice xmlns:a14="http://schemas.microsoft.com/office/drawing/2010/main" Requires="a14">
+      <mc:AlternateContent xmlns:mc="http://schemas.openxmlformats.org/markup-compatibility/2006" xmlns:a14="http://schemas.microsoft.com/office/drawing/2010/main">
+        <mc:Choice Requires="a14">
           <p:sp>
             <p:nvSpPr>
               <p:cNvPr id="3" name="Content Placeholder 2">
@@ -11481,7 +11481,7 @@
             </p:txBody>
           </p:sp>
         </mc:Choice>
-        <mc:Fallback>
+        <mc:Fallback xmlns="">
           <p:sp>
             <p:nvSpPr>
               <p:cNvPr id="3" name="Content Placeholder 2">
@@ -12602,7 +12602,12 @@
                 <p:ph type="title"/>
               </p:nvPr>
             </p:nvSpPr>
-            <p:spPr/>
+            <p:spPr>
+              <a:xfrm>
+                <a:off x="838199" y="365125"/>
+                <a:ext cx="10755385" cy="1325563"/>
+              </a:xfrm>
+            </p:spPr>
             <p:txBody>
               <a:bodyPr/>
               <a:lstStyle/>
@@ -12623,7 +12628,7 @@
                 </a14:m>
                 <a:r>
                   <a:rPr lang="en-US" dirty="0"/>
-                  <a:t>-learning</a:t>
+                  <a:t>-learning (Osband et al., 2016)</a:t>
                 </a:r>
               </a:p>
             </p:txBody>
@@ -12647,10 +12652,14 @@
               </p:nvPr>
             </p:nvSpPr>
             <p:spPr>
+              <a:xfrm>
+                <a:off x="838199" y="365125"/>
+                <a:ext cx="10755385" cy="1325563"/>
+              </a:xfrm>
               <a:blipFill>
                 <a:blip r:embed="rId2"/>
                 <a:stretch>
-                  <a:fillRect l="-2377"/>
+                  <a:fillRect l="-2266" r="-623"/>
                 </a:stretch>
               </a:blipFill>
             </p:spPr>
@@ -12669,8 +12678,8 @@
           </p:sp>
         </mc:Fallback>
       </mc:AlternateContent>
-      <mc:AlternateContent xmlns:mc="http://schemas.openxmlformats.org/markup-compatibility/2006">
-        <mc:Choice xmlns:a14="http://schemas.microsoft.com/office/drawing/2010/main" Requires="a14">
+      <mc:AlternateContent xmlns:mc="http://schemas.openxmlformats.org/markup-compatibility/2006" xmlns:a14="http://schemas.microsoft.com/office/drawing/2010/main">
+        <mc:Choice Requires="a14">
           <p:sp>
             <p:nvSpPr>
               <p:cNvPr id="3" name="Content Placeholder 2">
@@ -13149,7 +13158,7 @@
             </p:txBody>
           </p:sp>
         </mc:Choice>
-        <mc:Fallback>
+        <mc:Fallback xmlns="">
           <p:sp>
             <p:nvSpPr>
               <p:cNvPr id="3" name="Content Placeholder 2">
@@ -13377,8 +13386,8 @@
           </a:p>
         </p:txBody>
       </p:sp>
-      <mc:AlternateContent xmlns:mc="http://schemas.openxmlformats.org/markup-compatibility/2006">
-        <mc:Choice xmlns:a14="http://schemas.microsoft.com/office/drawing/2010/main" Requires="a14">
+      <mc:AlternateContent xmlns:mc="http://schemas.openxmlformats.org/markup-compatibility/2006" xmlns:a14="http://schemas.microsoft.com/office/drawing/2010/main">
+        <mc:Choice Requires="a14">
           <p:sp>
             <p:nvSpPr>
               <p:cNvPr id="3" name="Content Placeholder 2">
@@ -13546,7 +13555,7 @@
             </p:txBody>
           </p:sp>
         </mc:Choice>
-        <mc:Fallback>
+        <mc:Fallback xmlns="">
           <p:sp>
             <p:nvSpPr>
               <p:cNvPr id="3" name="Content Placeholder 2">
@@ -13747,8 +13756,8 @@
           </a:p>
         </p:txBody>
       </p:sp>
-      <mc:AlternateContent xmlns:mc="http://schemas.openxmlformats.org/markup-compatibility/2006">
-        <mc:Choice xmlns:a14="http://schemas.microsoft.com/office/drawing/2010/main" Requires="a14">
+      <mc:AlternateContent xmlns:mc="http://schemas.openxmlformats.org/markup-compatibility/2006" xmlns:a14="http://schemas.microsoft.com/office/drawing/2010/main">
+        <mc:Choice Requires="a14">
           <p:sp>
             <p:nvSpPr>
               <p:cNvPr id="3" name="Content Placeholder 2">
@@ -14542,7 +14551,7 @@
             </p:txBody>
           </p:sp>
         </mc:Choice>
-        <mc:Fallback>
+        <mc:Fallback xmlns="">
           <p:sp>
             <p:nvSpPr>
               <p:cNvPr id="3" name="Content Placeholder 2">
@@ -14639,13 +14648,13 @@
           <a:p>
             <a:r>
               <a:rPr lang="en-US" dirty="0"/>
-              <a:t>Policy Gradient</a:t>
+              <a:t>Policy Gradient (Sutton et al., 2000)</a:t>
             </a:r>
           </a:p>
         </p:txBody>
       </p:sp>
-      <mc:AlternateContent xmlns:mc="http://schemas.openxmlformats.org/markup-compatibility/2006">
-        <mc:Choice xmlns:a14="http://schemas.microsoft.com/office/drawing/2010/main" Requires="a14">
+      <mc:AlternateContent xmlns:mc="http://schemas.openxmlformats.org/markup-compatibility/2006" xmlns:a14="http://schemas.microsoft.com/office/drawing/2010/main">
+        <mc:Choice Requires="a14">
           <p:sp>
             <p:nvSpPr>
               <p:cNvPr id="3" name="Content Placeholder 2">
@@ -15123,7 +15132,7 @@
             </p:txBody>
           </p:sp>
         </mc:Choice>
-        <mc:Fallback>
+        <mc:Fallback xmlns="">
           <p:sp>
             <p:nvSpPr>
               <p:cNvPr id="3" name="Content Placeholder 2">
@@ -15225,8 +15234,8 @@
           </a:p>
         </p:txBody>
       </p:sp>
-      <mc:AlternateContent xmlns:mc="http://schemas.openxmlformats.org/markup-compatibility/2006">
-        <mc:Choice xmlns:a14="http://schemas.microsoft.com/office/drawing/2010/main" Requires="a14">
+      <mc:AlternateContent xmlns:mc="http://schemas.openxmlformats.org/markup-compatibility/2006" xmlns:a14="http://schemas.microsoft.com/office/drawing/2010/main">
+        <mc:Choice Requires="a14">
           <p:sp>
             <p:nvSpPr>
               <p:cNvPr id="3" name="Content Placeholder 2">
@@ -16709,7 +16718,7 @@
             </p:txBody>
           </p:sp>
         </mc:Choice>
-        <mc:Fallback>
+        <mc:Fallback xmlns="">
           <p:sp>
             <p:nvSpPr>
               <p:cNvPr id="3" name="Content Placeholder 2">
@@ -17840,31 +17849,12 @@
                                       </m:ctrlPr>
                                     </m:dPr>
                                     <m:e>
-                                      <m:sSup>
-                                        <m:sSupPr>
-                                          <m:ctrlPr>
-                                            <a:rPr lang="en-US" i="1">
-                                              <a:latin typeface="Cambria Math" panose="02040503050406030204" pitchFamily="18" charset="0"/>
-                                            </a:rPr>
-                                          </m:ctrlPr>
-                                        </m:sSupPr>
-                                        <m:e>
-                                          <m:r>
-                                            <a:rPr lang="en-US" i="1">
-                                              <a:latin typeface="Cambria Math" panose="02040503050406030204" pitchFamily="18" charset="0"/>
-                                            </a:rPr>
-                                            <m:t>𝑠</m:t>
-                                          </m:r>
-                                        </m:e>
-                                        <m:sup>
-                                          <m:r>
-                                            <a:rPr lang="en-US" i="1">
-                                              <a:latin typeface="Cambria Math" panose="02040503050406030204" pitchFamily="18" charset="0"/>
-                                            </a:rPr>
-                                            <m:t>′</m:t>
-                                          </m:r>
-                                        </m:sup>
-                                      </m:sSup>
+                                      <m:r>
+                                        <a:rPr lang="en-US" b="0" i="1" smtClean="0">
+                                          <a:latin typeface="Cambria Math" panose="02040503050406030204" pitchFamily="18" charset="0"/>
+                                        </a:rPr>
+                                        <m:t>𝑠</m:t>
+                                      </m:r>
                                       <m:r>
                                         <a:rPr lang="en-US" i="1">
                                           <a:latin typeface="Cambria Math" panose="02040503050406030204" pitchFamily="18" charset="0"/>
@@ -18030,8 +18020,8 @@
           </a:p>
         </p:txBody>
       </p:sp>
-      <mc:AlternateContent xmlns:mc="http://schemas.openxmlformats.org/markup-compatibility/2006">
-        <mc:Choice xmlns:a14="http://schemas.microsoft.com/office/drawing/2010/main" Requires="a14">
+      <mc:AlternateContent xmlns:mc="http://schemas.openxmlformats.org/markup-compatibility/2006" xmlns:a14="http://schemas.microsoft.com/office/drawing/2010/main">
+        <mc:Choice Requires="a14">
           <p:sp>
             <p:nvSpPr>
               <p:cNvPr id="3" name="Content Placeholder 2">
@@ -18299,13 +18289,7 @@
                                         <a:rPr lang="en-US" sz="2600" i="1">
                                           <a:latin typeface="Cambria Math" panose="02040503050406030204" pitchFamily="18" charset="0"/>
                                         </a:rPr>
-                                        <m:t>𝜕</m:t>
-                                      </m:r>
-                                      <m:r>
-                                        <a:rPr lang="en-US" sz="2600" i="1">
-                                          <a:latin typeface="Cambria Math" panose="02040503050406030204" pitchFamily="18" charset="0"/>
-                                        </a:rPr>
-                                        <m:t>𝜋</m:t>
+                                        <m:t>𝜕𝜋</m:t>
                                       </m:r>
                                       <m:d>
                                         <m:dPr>
@@ -18514,7 +18498,7 @@
             </p:txBody>
           </p:sp>
         </mc:Choice>
-        <mc:Fallback>
+        <mc:Fallback xmlns="">
           <p:sp>
             <p:nvSpPr>
               <p:cNvPr id="3" name="Content Placeholder 2">
@@ -18616,8 +18600,8 @@
           </a:p>
         </p:txBody>
       </p:sp>
-      <mc:AlternateContent xmlns:mc="http://schemas.openxmlformats.org/markup-compatibility/2006">
-        <mc:Choice xmlns:a14="http://schemas.microsoft.com/office/drawing/2010/main" Requires="a14">
+      <mc:AlternateContent xmlns:mc="http://schemas.openxmlformats.org/markup-compatibility/2006" xmlns:a14="http://schemas.microsoft.com/office/drawing/2010/main">
+        <mc:Choice Requires="a14">
           <p:sp>
             <p:nvSpPr>
               <p:cNvPr id="3" name="Content Placeholder 2">
@@ -18867,16 +18851,7 @@
                                           </a:solidFill>
                                           <a:latin typeface="Cambria Math" panose="02040503050406030204" pitchFamily="18" charset="0"/>
                                         </a:rPr>
-                                        <m:t>𝜕</m:t>
-                                      </m:r>
-                                      <m:r>
-                                        <a:rPr lang="en-US" sz="2600" i="1">
-                                          <a:solidFill>
-                                            <a:srgbClr val="FF0000"/>
-                                          </a:solidFill>
-                                          <a:latin typeface="Cambria Math" panose="02040503050406030204" pitchFamily="18" charset="0"/>
-                                        </a:rPr>
-                                        <m:t>𝜋</m:t>
+                                        <m:t>𝜕𝜋</m:t>
                                       </m:r>
                                       <m:d>
                                         <m:dPr>
@@ -19179,7 +19154,7 @@
             </p:txBody>
           </p:sp>
         </mc:Choice>
-        <mc:Fallback>
+        <mc:Fallback xmlns="">
           <p:sp>
             <p:nvSpPr>
               <p:cNvPr id="3" name="Content Placeholder 2">
@@ -19281,8 +19256,8 @@
           </a:p>
         </p:txBody>
       </p:sp>
-      <mc:AlternateContent xmlns:mc="http://schemas.openxmlformats.org/markup-compatibility/2006">
-        <mc:Choice xmlns:a14="http://schemas.microsoft.com/office/drawing/2010/main" Requires="a14">
+      <mc:AlternateContent xmlns:mc="http://schemas.openxmlformats.org/markup-compatibility/2006" xmlns:a14="http://schemas.microsoft.com/office/drawing/2010/main">
+        <mc:Choice Requires="a14">
           <p:sp>
             <p:nvSpPr>
               <p:cNvPr id="3" name="Content Placeholder 2">
@@ -19526,13 +19501,7 @@
                                         <a:rPr lang="en-US" sz="2600" i="1">
                                           <a:latin typeface="Cambria Math" panose="02040503050406030204" pitchFamily="18" charset="0"/>
                                         </a:rPr>
-                                        <m:t>𝜕</m:t>
-                                      </m:r>
-                                      <m:r>
-                                        <a:rPr lang="en-US" sz="2600" i="1">
-                                          <a:latin typeface="Cambria Math" panose="02040503050406030204" pitchFamily="18" charset="0"/>
-                                        </a:rPr>
-                                        <m:t>𝜋</m:t>
+                                        <m:t>𝜕𝜋</m:t>
                                       </m:r>
                                       <m:d>
                                         <m:dPr>
@@ -19953,7 +19922,7 @@
             </p:txBody>
           </p:sp>
         </mc:Choice>
-        <mc:Fallback>
+        <mc:Fallback xmlns="">
           <p:sp>
             <p:nvSpPr>
               <p:cNvPr id="3" name="Content Placeholder 2">
@@ -20055,8 +20024,8 @@
           </a:p>
         </p:txBody>
       </p:sp>
-      <mc:AlternateContent xmlns:mc="http://schemas.openxmlformats.org/markup-compatibility/2006">
-        <mc:Choice xmlns:a14="http://schemas.microsoft.com/office/drawing/2010/main" Requires="a14">
+      <mc:AlternateContent xmlns:mc="http://schemas.openxmlformats.org/markup-compatibility/2006" xmlns:a14="http://schemas.microsoft.com/office/drawing/2010/main">
+        <mc:Choice Requires="a14">
           <p:sp>
             <p:nvSpPr>
               <p:cNvPr id="3" name="Content Placeholder 2">
@@ -20787,7 +20756,7 @@
             </p:txBody>
           </p:sp>
         </mc:Choice>
-        <mc:Fallback>
+        <mc:Fallback xmlns="">
           <p:sp>
             <p:nvSpPr>
               <p:cNvPr id="3" name="Content Placeholder 2">
@@ -21465,8 +21434,8 @@
           </a:p>
         </p:txBody>
       </p:sp>
-      <mc:AlternateContent xmlns:mc="http://schemas.openxmlformats.org/markup-compatibility/2006">
-        <mc:Choice xmlns:a14="http://schemas.microsoft.com/office/drawing/2010/main" Requires="a14">
+      <mc:AlternateContent xmlns:mc="http://schemas.openxmlformats.org/markup-compatibility/2006" xmlns:a14="http://schemas.microsoft.com/office/drawing/2010/main">
+        <mc:Choice Requires="a14">
           <p:sp>
             <p:nvSpPr>
               <p:cNvPr id="3" name="Content Placeholder 2">
@@ -21598,7 +21567,7 @@
             </p:txBody>
           </p:sp>
         </mc:Choice>
-        <mc:Fallback>
+        <mc:Fallback xmlns="">
           <p:sp>
             <p:nvSpPr>
               <p:cNvPr id="3" name="Content Placeholder 2">
@@ -21820,8 +21789,8 @@
           </a:p>
         </p:txBody>
       </p:sp>
-      <mc:AlternateContent xmlns:mc="http://schemas.openxmlformats.org/markup-compatibility/2006">
-        <mc:Choice xmlns:a14="http://schemas.microsoft.com/office/drawing/2010/main" Requires="a14">
+      <mc:AlternateContent xmlns:mc="http://schemas.openxmlformats.org/markup-compatibility/2006" xmlns:a14="http://schemas.microsoft.com/office/drawing/2010/main">
+        <mc:Choice Requires="a14">
           <p:sp>
             <p:nvSpPr>
               <p:cNvPr id="3" name="Content Placeholder 2">
@@ -21915,7 +21884,7 @@
             </p:txBody>
           </p:sp>
         </mc:Choice>
-        <mc:Fallback>
+        <mc:Fallback xmlns="">
           <p:sp>
             <p:nvSpPr>
               <p:cNvPr id="3" name="Content Placeholder 2">
@@ -22499,8 +22468,8 @@
           </a:p>
         </p:txBody>
       </p:sp>
-      <mc:AlternateContent xmlns:mc="http://schemas.openxmlformats.org/markup-compatibility/2006">
-        <mc:Choice xmlns:a14="http://schemas.microsoft.com/office/drawing/2010/main" Requires="a14">
+      <mc:AlternateContent xmlns:mc="http://schemas.openxmlformats.org/markup-compatibility/2006" xmlns:a14="http://schemas.microsoft.com/office/drawing/2010/main">
+        <mc:Choice Requires="a14">
           <p:sp>
             <p:nvSpPr>
               <p:cNvPr id="5" name="Oval 4">
@@ -22563,7 +22532,7 @@
             </p:txBody>
           </p:sp>
         </mc:Choice>
-        <mc:Fallback>
+        <mc:Fallback xmlns="">
           <p:sp>
             <p:nvSpPr>
               <p:cNvPr id="5" name="Oval 4">
@@ -23715,8 +23684,8 @@
           </a:p>
         </p:txBody>
       </p:sp>
-      <mc:AlternateContent xmlns:mc="http://schemas.openxmlformats.org/markup-compatibility/2006">
-        <mc:Choice xmlns:a14="http://schemas.microsoft.com/office/drawing/2010/main" Requires="a14">
+      <mc:AlternateContent xmlns:mc="http://schemas.openxmlformats.org/markup-compatibility/2006" xmlns:a14="http://schemas.microsoft.com/office/drawing/2010/main">
+        <mc:Choice Requires="a14">
           <p:sp>
             <p:nvSpPr>
               <p:cNvPr id="14" name="TextBox 13">
@@ -23745,6 +23714,7 @@
               </a:bodyPr>
               <a:lstStyle/>
               <a:p>
+                <a:pPr/>
                 <a14:m>
                   <m:oMathPara xmlns:m="http://schemas.openxmlformats.org/officeDocument/2006/math">
                     <m:oMathParaPr>
@@ -23771,7 +23741,7 @@
             </p:txBody>
           </p:sp>
         </mc:Choice>
-        <mc:Fallback>
+        <mc:Fallback xmlns="">
           <p:sp>
             <p:nvSpPr>
               <p:cNvPr id="14" name="TextBox 13">
@@ -23816,8 +23786,8 @@
           </p:sp>
         </mc:Fallback>
       </mc:AlternateContent>
-      <mc:AlternateContent xmlns:mc="http://schemas.openxmlformats.org/markup-compatibility/2006">
-        <mc:Choice xmlns:a14="http://schemas.microsoft.com/office/drawing/2010/main" Requires="a14">
+      <mc:AlternateContent xmlns:mc="http://schemas.openxmlformats.org/markup-compatibility/2006" xmlns:a14="http://schemas.microsoft.com/office/drawing/2010/main">
+        <mc:Choice Requires="a14">
           <p:sp>
             <p:nvSpPr>
               <p:cNvPr id="15" name="TextBox 14">
@@ -23846,6 +23816,7 @@
               </a:bodyPr>
               <a:lstStyle/>
               <a:p>
+                <a:pPr/>
                 <a14:m>
                   <m:oMathPara xmlns:m="http://schemas.openxmlformats.org/officeDocument/2006/math">
                     <m:oMathParaPr>
@@ -23878,7 +23849,7 @@
             </p:txBody>
           </p:sp>
         </mc:Choice>
-        <mc:Fallback>
+        <mc:Fallback xmlns="">
           <p:sp>
             <p:nvSpPr>
               <p:cNvPr id="15" name="TextBox 14">
@@ -23923,8 +23894,8 @@
           </p:sp>
         </mc:Fallback>
       </mc:AlternateContent>
-      <mc:AlternateContent xmlns:mc="http://schemas.openxmlformats.org/markup-compatibility/2006">
-        <mc:Choice xmlns:a14="http://schemas.microsoft.com/office/drawing/2010/main" Requires="a14">
+      <mc:AlternateContent xmlns:mc="http://schemas.openxmlformats.org/markup-compatibility/2006" xmlns:a14="http://schemas.microsoft.com/office/drawing/2010/main">
+        <mc:Choice Requires="a14">
           <p:sp>
             <p:nvSpPr>
               <p:cNvPr id="16" name="TextBox 15">
@@ -23953,6 +23924,7 @@
               </a:bodyPr>
               <a:lstStyle/>
               <a:p>
+                <a:pPr/>
                 <a14:m>
                   <m:oMathPara xmlns:m="http://schemas.openxmlformats.org/officeDocument/2006/math">
                     <m:oMathParaPr>
@@ -23973,7 +23945,7 @@
             </p:txBody>
           </p:sp>
         </mc:Choice>
-        <mc:Fallback>
+        <mc:Fallback xmlns="">
           <p:sp>
             <p:nvSpPr>
               <p:cNvPr id="16" name="TextBox 15">
@@ -24435,6 +24407,12 @@
                             </m:r>
                           </m:e>
                         </m:d>
+                        <m:r>
+                          <a:rPr lang="en-US" b="0" i="1" smtClean="0">
+                            <a:latin typeface="Cambria Math" panose="02040503050406030204" pitchFamily="18" charset="0"/>
+                          </a:rPr>
+                          <m:t>)</m:t>
+                        </m:r>
                       </m:e>
                     </m:d>
                   </m:oMath>
@@ -25028,8 +25006,8 @@
           </a:p>
         </p:txBody>
       </p:sp>
-      <mc:AlternateContent xmlns:mc="http://schemas.openxmlformats.org/markup-compatibility/2006">
-        <mc:Choice xmlns:a14="http://schemas.microsoft.com/office/drawing/2010/main" Requires="a14">
+      <mc:AlternateContent xmlns:mc="http://schemas.openxmlformats.org/markup-compatibility/2006" xmlns:a14="http://schemas.microsoft.com/office/drawing/2010/main">
+        <mc:Choice Requires="a14">
           <p:sp>
             <p:nvSpPr>
               <p:cNvPr id="5" name="Oval 4">
@@ -25092,7 +25070,7 @@
             </p:txBody>
           </p:sp>
         </mc:Choice>
-        <mc:Fallback>
+        <mc:Fallback xmlns="">
           <p:sp>
             <p:nvSpPr>
               <p:cNvPr id="5" name="Oval 4">
@@ -26244,8 +26222,8 @@
           </a:p>
         </p:txBody>
       </p:sp>
-      <mc:AlternateContent xmlns:mc="http://schemas.openxmlformats.org/markup-compatibility/2006">
-        <mc:Choice xmlns:a14="http://schemas.microsoft.com/office/drawing/2010/main" Requires="a14">
+      <mc:AlternateContent xmlns:mc="http://schemas.openxmlformats.org/markup-compatibility/2006" xmlns:a14="http://schemas.microsoft.com/office/drawing/2010/main">
+        <mc:Choice Requires="a14">
           <p:sp>
             <p:nvSpPr>
               <p:cNvPr id="14" name="TextBox 13">
@@ -26274,6 +26252,7 @@
               </a:bodyPr>
               <a:lstStyle/>
               <a:p>
+                <a:pPr/>
                 <a14:m>
                   <m:oMathPara xmlns:m="http://schemas.openxmlformats.org/officeDocument/2006/math">
                     <m:oMathParaPr>
@@ -26300,7 +26279,7 @@
             </p:txBody>
           </p:sp>
         </mc:Choice>
-        <mc:Fallback>
+        <mc:Fallback xmlns="">
           <p:sp>
             <p:nvSpPr>
               <p:cNvPr id="14" name="TextBox 13">
@@ -26345,8 +26324,8 @@
           </p:sp>
         </mc:Fallback>
       </mc:AlternateContent>
-      <mc:AlternateContent xmlns:mc="http://schemas.openxmlformats.org/markup-compatibility/2006">
-        <mc:Choice xmlns:a14="http://schemas.microsoft.com/office/drawing/2010/main" Requires="a14">
+      <mc:AlternateContent xmlns:mc="http://schemas.openxmlformats.org/markup-compatibility/2006" xmlns:a14="http://schemas.microsoft.com/office/drawing/2010/main">
+        <mc:Choice Requires="a14">
           <p:sp>
             <p:nvSpPr>
               <p:cNvPr id="15" name="TextBox 14">
@@ -26375,6 +26354,7 @@
               </a:bodyPr>
               <a:lstStyle/>
               <a:p>
+                <a:pPr/>
                 <a14:m>
                   <m:oMathPara xmlns:m="http://schemas.openxmlformats.org/officeDocument/2006/math">
                     <m:oMathParaPr>
@@ -26407,7 +26387,7 @@
             </p:txBody>
           </p:sp>
         </mc:Choice>
-        <mc:Fallback>
+        <mc:Fallback xmlns="">
           <p:sp>
             <p:nvSpPr>
               <p:cNvPr id="15" name="TextBox 14">
@@ -26452,8 +26432,8 @@
           </p:sp>
         </mc:Fallback>
       </mc:AlternateContent>
-      <mc:AlternateContent xmlns:mc="http://schemas.openxmlformats.org/markup-compatibility/2006">
-        <mc:Choice xmlns:a14="http://schemas.microsoft.com/office/drawing/2010/main" Requires="a14">
+      <mc:AlternateContent xmlns:mc="http://schemas.openxmlformats.org/markup-compatibility/2006" xmlns:a14="http://schemas.microsoft.com/office/drawing/2010/main">
+        <mc:Choice Requires="a14">
           <p:sp>
             <p:nvSpPr>
               <p:cNvPr id="16" name="TextBox 15">
@@ -26482,6 +26462,7 @@
               </a:bodyPr>
               <a:lstStyle/>
               <a:p>
+                <a:pPr/>
                 <a14:m>
                   <m:oMathPara xmlns:m="http://schemas.openxmlformats.org/officeDocument/2006/math">
                     <m:oMathParaPr>
@@ -26502,7 +26483,7 @@
             </p:txBody>
           </p:sp>
         </mc:Choice>
-        <mc:Fallback>
+        <mc:Fallback xmlns="">
           <p:sp>
             <p:nvSpPr>
               <p:cNvPr id="16" name="TextBox 15">
@@ -26914,6 +26895,12 @@
                             </m:r>
                           </m:e>
                         </m:d>
+                        <m:r>
+                          <a:rPr lang="en-US" b="0" i="1" smtClean="0">
+                            <a:latin typeface="Cambria Math" panose="02040503050406030204" pitchFamily="18" charset="0"/>
+                          </a:rPr>
+                          <m:t>)</m:t>
+                        </m:r>
                       </m:e>
                     </m:d>
                   </m:oMath>
@@ -27066,8 +27053,8 @@
           <a:chExt cx="0" cy="0"/>
         </a:xfrm>
       </p:grpSpPr>
-      <mc:AlternateContent xmlns:mc="http://schemas.openxmlformats.org/markup-compatibility/2006">
-        <mc:Choice xmlns:a14="http://schemas.microsoft.com/office/drawing/2010/main" Requires="a14">
+      <mc:AlternateContent xmlns:mc="http://schemas.openxmlformats.org/markup-compatibility/2006" xmlns:a14="http://schemas.microsoft.com/office/drawing/2010/main">
+        <mc:Choice Requires="a14">
           <p:sp>
             <p:nvSpPr>
               <p:cNvPr id="50" name="Content Placeholder 2">
@@ -27182,7 +27169,7 @@
             </p:txBody>
           </p:sp>
         </mc:Choice>
-        <mc:Fallback>
+        <mc:Fallback xmlns="">
           <p:sp>
             <p:nvSpPr>
               <p:cNvPr id="50" name="Content Placeholder 2">
@@ -27254,8 +27241,8 @@
           </a:p>
         </p:txBody>
       </p:sp>
-      <mc:AlternateContent xmlns:mc="http://schemas.openxmlformats.org/markup-compatibility/2006">
-        <mc:Choice xmlns:a14="http://schemas.microsoft.com/office/drawing/2010/main" Requires="a14">
+      <mc:AlternateContent xmlns:mc="http://schemas.openxmlformats.org/markup-compatibility/2006" xmlns:a14="http://schemas.microsoft.com/office/drawing/2010/main">
+        <mc:Choice Requires="a14">
           <p:sp>
             <p:nvSpPr>
               <p:cNvPr id="22" name="Oval 21">
@@ -27337,7 +27324,7 @@
             </p:txBody>
           </p:sp>
         </mc:Choice>
-        <mc:Fallback>
+        <mc:Fallback xmlns="">
           <p:sp>
             <p:nvSpPr>
               <p:cNvPr id="22" name="Oval 21">
@@ -27382,8 +27369,8 @@
           </p:sp>
         </mc:Fallback>
       </mc:AlternateContent>
-      <mc:AlternateContent xmlns:mc="http://schemas.openxmlformats.org/markup-compatibility/2006">
-        <mc:Choice xmlns:a14="http://schemas.microsoft.com/office/drawing/2010/main" Requires="a14">
+      <mc:AlternateContent xmlns:mc="http://schemas.openxmlformats.org/markup-compatibility/2006" xmlns:a14="http://schemas.microsoft.com/office/drawing/2010/main">
+        <mc:Choice Requires="a14">
           <p:sp>
             <p:nvSpPr>
               <p:cNvPr id="23" name="Oval 22">
@@ -27465,7 +27452,7 @@
             </p:txBody>
           </p:sp>
         </mc:Choice>
-        <mc:Fallback>
+        <mc:Fallback xmlns="">
           <p:sp>
             <p:nvSpPr>
               <p:cNvPr id="23" name="Oval 22">
@@ -27510,8 +27497,8 @@
           </p:sp>
         </mc:Fallback>
       </mc:AlternateContent>
-      <mc:AlternateContent xmlns:mc="http://schemas.openxmlformats.org/markup-compatibility/2006">
-        <mc:Choice xmlns:a14="http://schemas.microsoft.com/office/drawing/2010/main" Requires="a14">
+      <mc:AlternateContent xmlns:mc="http://schemas.openxmlformats.org/markup-compatibility/2006" xmlns:a14="http://schemas.microsoft.com/office/drawing/2010/main">
+        <mc:Choice Requires="a14">
           <p:sp>
             <p:nvSpPr>
               <p:cNvPr id="24" name="Oval 23">
@@ -27593,7 +27580,7 @@
             </p:txBody>
           </p:sp>
         </mc:Choice>
-        <mc:Fallback>
+        <mc:Fallback xmlns="">
           <p:sp>
             <p:nvSpPr>
               <p:cNvPr id="24" name="Oval 23">
@@ -27638,8 +27625,8 @@
           </p:sp>
         </mc:Fallback>
       </mc:AlternateContent>
-      <mc:AlternateContent xmlns:mc="http://schemas.openxmlformats.org/markup-compatibility/2006">
-        <mc:Choice xmlns:a14="http://schemas.microsoft.com/office/drawing/2010/main" Requires="a14">
+      <mc:AlternateContent xmlns:mc="http://schemas.openxmlformats.org/markup-compatibility/2006" xmlns:a14="http://schemas.microsoft.com/office/drawing/2010/main">
+        <mc:Choice Requires="a14">
           <p:sp>
             <p:nvSpPr>
               <p:cNvPr id="25" name="Oval 24">
@@ -27721,7 +27708,7 @@
             </p:txBody>
           </p:sp>
         </mc:Choice>
-        <mc:Fallback>
+        <mc:Fallback xmlns="">
           <p:sp>
             <p:nvSpPr>
               <p:cNvPr id="25" name="Oval 24">
@@ -27766,8 +27753,8 @@
           </p:sp>
         </mc:Fallback>
       </mc:AlternateContent>
-      <mc:AlternateContent xmlns:mc="http://schemas.openxmlformats.org/markup-compatibility/2006">
-        <mc:Choice xmlns:a14="http://schemas.microsoft.com/office/drawing/2010/main" Requires="a14">
+      <mc:AlternateContent xmlns:mc="http://schemas.openxmlformats.org/markup-compatibility/2006" xmlns:a14="http://schemas.microsoft.com/office/drawing/2010/main">
+        <mc:Choice Requires="a14">
           <p:sp>
             <p:nvSpPr>
               <p:cNvPr id="26" name="Oval 25">
@@ -27849,7 +27836,7 @@
             </p:txBody>
           </p:sp>
         </mc:Choice>
-        <mc:Fallback>
+        <mc:Fallback xmlns="">
           <p:sp>
             <p:nvSpPr>
               <p:cNvPr id="26" name="Oval 25">
@@ -27894,8 +27881,8 @@
           </p:sp>
         </mc:Fallback>
       </mc:AlternateContent>
-      <mc:AlternateContent xmlns:mc="http://schemas.openxmlformats.org/markup-compatibility/2006">
-        <mc:Choice xmlns:a14="http://schemas.microsoft.com/office/drawing/2010/main" Requires="a14">
+      <mc:AlternateContent xmlns:mc="http://schemas.openxmlformats.org/markup-compatibility/2006" xmlns:a14="http://schemas.microsoft.com/office/drawing/2010/main">
+        <mc:Choice Requires="a14">
           <p:sp>
             <p:nvSpPr>
               <p:cNvPr id="27" name="Oval 26">
@@ -27977,7 +27964,7 @@
             </p:txBody>
           </p:sp>
         </mc:Choice>
-        <mc:Fallback>
+        <mc:Fallback xmlns="">
           <p:sp>
             <p:nvSpPr>
               <p:cNvPr id="27" name="Oval 26">
@@ -28022,8 +28009,8 @@
           </p:sp>
         </mc:Fallback>
       </mc:AlternateContent>
-      <mc:AlternateContent xmlns:mc="http://schemas.openxmlformats.org/markup-compatibility/2006">
-        <mc:Choice xmlns:a14="http://schemas.microsoft.com/office/drawing/2010/main" Requires="a14">
+      <mc:AlternateContent xmlns:mc="http://schemas.openxmlformats.org/markup-compatibility/2006" xmlns:a14="http://schemas.microsoft.com/office/drawing/2010/main">
+        <mc:Choice Requires="a14">
           <p:sp>
             <p:nvSpPr>
               <p:cNvPr id="28" name="Oval 27">
@@ -28105,7 +28092,7 @@
             </p:txBody>
           </p:sp>
         </mc:Choice>
-        <mc:Fallback>
+        <mc:Fallback xmlns="">
           <p:sp>
             <p:nvSpPr>
               <p:cNvPr id="28" name="Oval 27">
@@ -28635,8 +28622,8 @@
           </a:p>
         </p:txBody>
       </p:sp>
-      <mc:AlternateContent xmlns:mc="http://schemas.openxmlformats.org/markup-compatibility/2006">
-        <mc:Choice xmlns:a14="http://schemas.microsoft.com/office/drawing/2010/main" Requires="a14">
+      <mc:AlternateContent xmlns:mc="http://schemas.openxmlformats.org/markup-compatibility/2006" xmlns:a14="http://schemas.microsoft.com/office/drawing/2010/main">
+        <mc:Choice Requires="a14">
           <p:sp>
             <p:nvSpPr>
               <p:cNvPr id="3" name="Content Placeholder 2">
@@ -28795,7 +28782,7 @@
                         <m:sSup>
                           <m:sSupPr>
                             <m:ctrlPr>
-                              <a:rPr lang="en-US" b="0" i="0" smtClean="0">
+                              <a:rPr lang="en-US" b="0" i="1" smtClean="0">
                                 <a:latin typeface="Cambria Math" panose="02040503050406030204" pitchFamily="18" charset="0"/>
                               </a:rPr>
                             </m:ctrlPr>
@@ -28823,7 +28810,7 @@
                         <m:d>
                           <m:dPr>
                             <m:ctrlPr>
-                              <a:rPr lang="en-US" b="0" i="0" smtClean="0">
+                              <a:rPr lang="en-US" b="0" i="1" smtClean="0">
                                 <a:latin typeface="Cambria Math" panose="02040503050406030204" pitchFamily="18" charset="0"/>
                               </a:rPr>
                             </m:ctrlPr>
@@ -28881,7 +28868,7 @@
             </p:txBody>
           </p:sp>
         </mc:Choice>
-        <mc:Fallback>
+        <mc:Fallback xmlns="">
           <p:sp>
             <p:nvSpPr>
               <p:cNvPr id="3" name="Content Placeholder 2">
@@ -29465,8 +29452,8 @@
           </a:p>
         </p:txBody>
       </p:sp>
-      <mc:AlternateContent xmlns:mc="http://schemas.openxmlformats.org/markup-compatibility/2006">
-        <mc:Choice xmlns:a14="http://schemas.microsoft.com/office/drawing/2010/main" Requires="a14">
+      <mc:AlternateContent xmlns:mc="http://schemas.openxmlformats.org/markup-compatibility/2006" xmlns:a14="http://schemas.microsoft.com/office/drawing/2010/main">
+        <mc:Choice Requires="a14">
           <p:sp>
             <p:nvSpPr>
               <p:cNvPr id="5" name="Oval 4">
@@ -29529,7 +29516,7 @@
             </p:txBody>
           </p:sp>
         </mc:Choice>
-        <mc:Fallback>
+        <mc:Fallback xmlns="">
           <p:sp>
             <p:nvSpPr>
               <p:cNvPr id="5" name="Oval 4">
@@ -30681,8 +30668,8 @@
           </a:p>
         </p:txBody>
       </p:sp>
-      <mc:AlternateContent xmlns:mc="http://schemas.openxmlformats.org/markup-compatibility/2006">
-        <mc:Choice xmlns:a14="http://schemas.microsoft.com/office/drawing/2010/main" Requires="a14">
+      <mc:AlternateContent xmlns:mc="http://schemas.openxmlformats.org/markup-compatibility/2006" xmlns:a14="http://schemas.microsoft.com/office/drawing/2010/main">
+        <mc:Choice Requires="a14">
           <p:sp>
             <p:nvSpPr>
               <p:cNvPr id="14" name="TextBox 13">
@@ -30711,6 +30698,7 @@
               </a:bodyPr>
               <a:lstStyle/>
               <a:p>
+                <a:pPr/>
                 <a14:m>
                   <m:oMathPara xmlns:m="http://schemas.openxmlformats.org/officeDocument/2006/math">
                     <m:oMathParaPr>
@@ -30737,7 +30725,7 @@
             </p:txBody>
           </p:sp>
         </mc:Choice>
-        <mc:Fallback>
+        <mc:Fallback xmlns="">
           <p:sp>
             <p:nvSpPr>
               <p:cNvPr id="14" name="TextBox 13">
@@ -30782,8 +30770,8 @@
           </p:sp>
         </mc:Fallback>
       </mc:AlternateContent>
-      <mc:AlternateContent xmlns:mc="http://schemas.openxmlformats.org/markup-compatibility/2006">
-        <mc:Choice xmlns:a14="http://schemas.microsoft.com/office/drawing/2010/main" Requires="a14">
+      <mc:AlternateContent xmlns:mc="http://schemas.openxmlformats.org/markup-compatibility/2006" xmlns:a14="http://schemas.microsoft.com/office/drawing/2010/main">
+        <mc:Choice Requires="a14">
           <p:sp>
             <p:nvSpPr>
               <p:cNvPr id="15" name="TextBox 14">
@@ -30812,6 +30800,7 @@
               </a:bodyPr>
               <a:lstStyle/>
               <a:p>
+                <a:pPr/>
                 <a14:m>
                   <m:oMathPara xmlns:m="http://schemas.openxmlformats.org/officeDocument/2006/math">
                     <m:oMathParaPr>
@@ -30844,7 +30833,7 @@
             </p:txBody>
           </p:sp>
         </mc:Choice>
-        <mc:Fallback>
+        <mc:Fallback xmlns="">
           <p:sp>
             <p:nvSpPr>
               <p:cNvPr id="15" name="TextBox 14">
@@ -30889,8 +30878,8 @@
           </p:sp>
         </mc:Fallback>
       </mc:AlternateContent>
-      <mc:AlternateContent xmlns:mc="http://schemas.openxmlformats.org/markup-compatibility/2006">
-        <mc:Choice xmlns:a14="http://schemas.microsoft.com/office/drawing/2010/main" Requires="a14">
+      <mc:AlternateContent xmlns:mc="http://schemas.openxmlformats.org/markup-compatibility/2006" xmlns:a14="http://schemas.microsoft.com/office/drawing/2010/main">
+        <mc:Choice Requires="a14">
           <p:sp>
             <p:nvSpPr>
               <p:cNvPr id="16" name="TextBox 15">
@@ -30919,6 +30908,7 @@
               </a:bodyPr>
               <a:lstStyle/>
               <a:p>
+                <a:pPr/>
                 <a14:m>
                   <m:oMathPara xmlns:m="http://schemas.openxmlformats.org/officeDocument/2006/math">
                     <m:oMathParaPr>
@@ -30939,7 +30929,7 @@
             </p:txBody>
           </p:sp>
         </mc:Choice>
-        <mc:Fallback>
+        <mc:Fallback xmlns="">
           <p:sp>
             <p:nvSpPr>
               <p:cNvPr id="16" name="TextBox 15">
@@ -31210,8 +31200,8 @@
           </a:p>
         </p:txBody>
       </p:sp>
-      <mc:AlternateContent xmlns:mc="http://schemas.openxmlformats.org/markup-compatibility/2006">
-        <mc:Choice xmlns:a14="http://schemas.microsoft.com/office/drawing/2010/main" Requires="a14">
+      <mc:AlternateContent xmlns:mc="http://schemas.openxmlformats.org/markup-compatibility/2006" xmlns:a14="http://schemas.microsoft.com/office/drawing/2010/main">
+        <mc:Choice Requires="a14">
           <p:sp>
             <p:nvSpPr>
               <p:cNvPr id="3" name="Content Placeholder 2">
@@ -31340,7 +31330,7 @@
                         <m:sSup>
                           <m:sSupPr>
                             <m:ctrlPr>
-                              <a:rPr lang="en-US" b="0" i="0" smtClean="0">
+                              <a:rPr lang="en-US" b="0" i="1" smtClean="0">
                                 <a:latin typeface="Cambria Math" panose="02040503050406030204" pitchFamily="18" charset="0"/>
                               </a:rPr>
                             </m:ctrlPr>
@@ -31368,7 +31358,7 @@
                         <m:d>
                           <m:dPr>
                             <m:ctrlPr>
-                              <a:rPr lang="en-US" b="0" i="0" smtClean="0">
+                              <a:rPr lang="en-US" b="0" i="1" smtClean="0">
                                 <a:latin typeface="Cambria Math" panose="02040503050406030204" pitchFamily="18" charset="0"/>
                               </a:rPr>
                             </m:ctrlPr>
@@ -31556,7 +31546,7 @@
             </p:txBody>
           </p:sp>
         </mc:Choice>
-        <mc:Fallback>
+        <mc:Fallback xmlns="">
           <p:sp>
             <p:nvSpPr>
               <p:cNvPr id="3" name="Content Placeholder 2">
@@ -31626,8 +31616,8 @@
           <a:chExt cx="0" cy="0"/>
         </a:xfrm>
       </p:grpSpPr>
-      <mc:AlternateContent xmlns:mc="http://schemas.openxmlformats.org/markup-compatibility/2006">
-        <mc:Choice xmlns:a14="http://schemas.microsoft.com/office/drawing/2010/main" Requires="a14">
+      <mc:AlternateContent xmlns:mc="http://schemas.openxmlformats.org/markup-compatibility/2006" xmlns:a14="http://schemas.microsoft.com/office/drawing/2010/main">
+        <mc:Choice Requires="a14">
           <p:sp>
             <p:nvSpPr>
               <p:cNvPr id="50" name="Content Placeholder 2">
@@ -31777,7 +31767,7 @@
             </p:txBody>
           </p:sp>
         </mc:Choice>
-        <mc:Fallback>
+        <mc:Fallback xmlns="">
           <p:sp>
             <p:nvSpPr>
               <p:cNvPr id="50" name="Content Placeholder 2">
@@ -31849,8 +31839,8 @@
           </a:p>
         </p:txBody>
       </p:sp>
-      <mc:AlternateContent xmlns:mc="http://schemas.openxmlformats.org/markup-compatibility/2006">
-        <mc:Choice xmlns:a14="http://schemas.microsoft.com/office/drawing/2010/main" Requires="a14">
+      <mc:AlternateContent xmlns:mc="http://schemas.openxmlformats.org/markup-compatibility/2006" xmlns:a14="http://schemas.microsoft.com/office/drawing/2010/main">
+        <mc:Choice Requires="a14">
           <p:sp>
             <p:nvSpPr>
               <p:cNvPr id="22" name="Oval 21">
@@ -31932,7 +31922,7 @@
             </p:txBody>
           </p:sp>
         </mc:Choice>
-        <mc:Fallback>
+        <mc:Fallback xmlns="">
           <p:sp>
             <p:nvSpPr>
               <p:cNvPr id="22" name="Oval 21">
@@ -31977,8 +31967,8 @@
           </p:sp>
         </mc:Fallback>
       </mc:AlternateContent>
-      <mc:AlternateContent xmlns:mc="http://schemas.openxmlformats.org/markup-compatibility/2006">
-        <mc:Choice xmlns:a14="http://schemas.microsoft.com/office/drawing/2010/main" Requires="a14">
+      <mc:AlternateContent xmlns:mc="http://schemas.openxmlformats.org/markup-compatibility/2006" xmlns:a14="http://schemas.microsoft.com/office/drawing/2010/main">
+        <mc:Choice Requires="a14">
           <p:sp>
             <p:nvSpPr>
               <p:cNvPr id="23" name="Oval 22">
@@ -32060,7 +32050,7 @@
             </p:txBody>
           </p:sp>
         </mc:Choice>
-        <mc:Fallback>
+        <mc:Fallback xmlns="">
           <p:sp>
             <p:nvSpPr>
               <p:cNvPr id="23" name="Oval 22">
@@ -32105,8 +32095,8 @@
           </p:sp>
         </mc:Fallback>
       </mc:AlternateContent>
-      <mc:AlternateContent xmlns:mc="http://schemas.openxmlformats.org/markup-compatibility/2006">
-        <mc:Choice xmlns:a14="http://schemas.microsoft.com/office/drawing/2010/main" Requires="a14">
+      <mc:AlternateContent xmlns:mc="http://schemas.openxmlformats.org/markup-compatibility/2006" xmlns:a14="http://schemas.microsoft.com/office/drawing/2010/main">
+        <mc:Choice Requires="a14">
           <p:sp>
             <p:nvSpPr>
               <p:cNvPr id="24" name="Oval 23">
@@ -32188,7 +32178,7 @@
             </p:txBody>
           </p:sp>
         </mc:Choice>
-        <mc:Fallback>
+        <mc:Fallback xmlns="">
           <p:sp>
             <p:nvSpPr>
               <p:cNvPr id="24" name="Oval 23">
@@ -32233,8 +32223,8 @@
           </p:sp>
         </mc:Fallback>
       </mc:AlternateContent>
-      <mc:AlternateContent xmlns:mc="http://schemas.openxmlformats.org/markup-compatibility/2006">
-        <mc:Choice xmlns:a14="http://schemas.microsoft.com/office/drawing/2010/main" Requires="a14">
+      <mc:AlternateContent xmlns:mc="http://schemas.openxmlformats.org/markup-compatibility/2006" xmlns:a14="http://schemas.microsoft.com/office/drawing/2010/main">
+        <mc:Choice Requires="a14">
           <p:sp>
             <p:nvSpPr>
               <p:cNvPr id="25" name="Oval 24">
@@ -32316,7 +32306,7 @@
             </p:txBody>
           </p:sp>
         </mc:Choice>
-        <mc:Fallback>
+        <mc:Fallback xmlns="">
           <p:sp>
             <p:nvSpPr>
               <p:cNvPr id="25" name="Oval 24">
@@ -32361,8 +32351,8 @@
           </p:sp>
         </mc:Fallback>
       </mc:AlternateContent>
-      <mc:AlternateContent xmlns:mc="http://schemas.openxmlformats.org/markup-compatibility/2006">
-        <mc:Choice xmlns:a14="http://schemas.microsoft.com/office/drawing/2010/main" Requires="a14">
+      <mc:AlternateContent xmlns:mc="http://schemas.openxmlformats.org/markup-compatibility/2006" xmlns:a14="http://schemas.microsoft.com/office/drawing/2010/main">
+        <mc:Choice Requires="a14">
           <p:sp>
             <p:nvSpPr>
               <p:cNvPr id="26" name="Oval 25">
@@ -32444,7 +32434,7 @@
             </p:txBody>
           </p:sp>
         </mc:Choice>
-        <mc:Fallback>
+        <mc:Fallback xmlns="">
           <p:sp>
             <p:nvSpPr>
               <p:cNvPr id="26" name="Oval 25">
@@ -32489,8 +32479,8 @@
           </p:sp>
         </mc:Fallback>
       </mc:AlternateContent>
-      <mc:AlternateContent xmlns:mc="http://schemas.openxmlformats.org/markup-compatibility/2006">
-        <mc:Choice xmlns:a14="http://schemas.microsoft.com/office/drawing/2010/main" Requires="a14">
+      <mc:AlternateContent xmlns:mc="http://schemas.openxmlformats.org/markup-compatibility/2006" xmlns:a14="http://schemas.microsoft.com/office/drawing/2010/main">
+        <mc:Choice Requires="a14">
           <p:sp>
             <p:nvSpPr>
               <p:cNvPr id="27" name="Oval 26">
@@ -32572,7 +32562,7 @@
             </p:txBody>
           </p:sp>
         </mc:Choice>
-        <mc:Fallback>
+        <mc:Fallback xmlns="">
           <p:sp>
             <p:nvSpPr>
               <p:cNvPr id="27" name="Oval 26">
@@ -32617,8 +32607,8 @@
           </p:sp>
         </mc:Fallback>
       </mc:AlternateContent>
-      <mc:AlternateContent xmlns:mc="http://schemas.openxmlformats.org/markup-compatibility/2006">
-        <mc:Choice xmlns:a14="http://schemas.microsoft.com/office/drawing/2010/main" Requires="a14">
+      <mc:AlternateContent xmlns:mc="http://schemas.openxmlformats.org/markup-compatibility/2006" xmlns:a14="http://schemas.microsoft.com/office/drawing/2010/main">
+        <mc:Choice Requires="a14">
           <p:sp>
             <p:nvSpPr>
               <p:cNvPr id="28" name="Oval 27">
@@ -32700,7 +32690,7 @@
             </p:txBody>
           </p:sp>
         </mc:Choice>
-        <mc:Fallback>
+        <mc:Fallback xmlns="">
           <p:sp>
             <p:nvSpPr>
               <p:cNvPr id="28" name="Oval 27">
@@ -33222,8 +33212,8 @@
           </a:p>
         </p:txBody>
       </p:sp>
-      <mc:AlternateContent xmlns:mc="http://schemas.openxmlformats.org/markup-compatibility/2006">
-        <mc:Choice xmlns:a14="http://schemas.microsoft.com/office/drawing/2010/main" Requires="a14">
+      <mc:AlternateContent xmlns:mc="http://schemas.openxmlformats.org/markup-compatibility/2006" xmlns:a14="http://schemas.microsoft.com/office/drawing/2010/main">
+        <mc:Choice Requires="a14">
           <p:sp>
             <p:nvSpPr>
               <p:cNvPr id="3" name="Content Placeholder 2">
@@ -33349,7 +33339,7 @@
             </p:txBody>
           </p:sp>
         </mc:Choice>
-        <mc:Fallback>
+        <mc:Fallback xmlns="">
           <p:sp>
             <p:nvSpPr>
               <p:cNvPr id="3" name="Content Placeholder 2">
@@ -34702,8 +34692,8 @@
           </p:sp>
         </mc:Fallback>
       </mc:AlternateContent>
-      <mc:AlternateContent xmlns:mc="http://schemas.openxmlformats.org/markup-compatibility/2006">
-        <mc:Choice xmlns:a14="http://schemas.microsoft.com/office/drawing/2010/main" Requires="a14">
+      <mc:AlternateContent xmlns:mc="http://schemas.openxmlformats.org/markup-compatibility/2006" xmlns:a14="http://schemas.microsoft.com/office/drawing/2010/main">
+        <mc:Choice Requires="a14">
           <p:sp>
             <p:nvSpPr>
               <p:cNvPr id="18" name="TextBox 17"/>
@@ -35033,7 +35023,7 @@
             </p:txBody>
           </p:sp>
         </mc:Choice>
-        <mc:Fallback>
+        <mc:Fallback xmlns="">
           <p:sp>
             <p:nvSpPr>
               <p:cNvPr id="18" name="TextBox 17"/>
@@ -35072,8 +35062,8 @@
           </p:sp>
         </mc:Fallback>
       </mc:AlternateContent>
-      <mc:AlternateContent xmlns:mc="http://schemas.openxmlformats.org/markup-compatibility/2006">
-        <mc:Choice xmlns:a14="http://schemas.microsoft.com/office/drawing/2010/main" Requires="a14">
+      <mc:AlternateContent xmlns:mc="http://schemas.openxmlformats.org/markup-compatibility/2006" xmlns:a14="http://schemas.microsoft.com/office/drawing/2010/main">
+        <mc:Choice Requires="a14">
           <p:sp>
             <p:nvSpPr>
               <p:cNvPr id="19" name="TextBox 18">
@@ -35180,7 +35170,7 @@
             </p:txBody>
           </p:sp>
         </mc:Choice>
-        <mc:Fallback>
+        <mc:Fallback xmlns="">
           <p:sp>
             <p:nvSpPr>
               <p:cNvPr id="19" name="TextBox 18">
@@ -35493,8 +35483,8 @@
           </a:p>
         </p:txBody>
       </p:sp>
-      <mc:AlternateContent xmlns:mc="http://schemas.openxmlformats.org/markup-compatibility/2006">
-        <mc:Choice xmlns:a14="http://schemas.microsoft.com/office/drawing/2010/main" Requires="a14">
+      <mc:AlternateContent xmlns:mc="http://schemas.openxmlformats.org/markup-compatibility/2006" xmlns:a14="http://schemas.microsoft.com/office/drawing/2010/main">
+        <mc:Choice Requires="a14">
           <p:sp>
             <p:nvSpPr>
               <p:cNvPr id="3" name="Content Placeholder 2">
@@ -35716,7 +35706,7 @@
             </p:txBody>
           </p:sp>
         </mc:Choice>
-        <mc:Fallback>
+        <mc:Fallback xmlns="">
           <p:sp>
             <p:nvSpPr>
               <p:cNvPr id="3" name="Content Placeholder 2">
@@ -35936,8 +35926,8 @@
           </a:p>
         </p:txBody>
       </p:sp>
-      <mc:AlternateContent xmlns:mc="http://schemas.openxmlformats.org/markup-compatibility/2006">
-        <mc:Choice xmlns:a14="http://schemas.microsoft.com/office/drawing/2010/main" Requires="a14">
+      <mc:AlternateContent xmlns:mc="http://schemas.openxmlformats.org/markup-compatibility/2006" xmlns:a14="http://schemas.microsoft.com/office/drawing/2010/main">
+        <mc:Choice Requires="a14">
           <p:sp>
             <p:nvSpPr>
               <p:cNvPr id="3" name="Content Placeholder 2">
@@ -36028,7 +36018,7 @@
             </p:txBody>
           </p:sp>
         </mc:Choice>
-        <mc:Fallback>
+        <mc:Fallback xmlns="">
           <p:sp>
             <p:nvSpPr>
               <p:cNvPr id="3" name="Content Placeholder 2">
@@ -38685,8 +38675,8 @@
           </p:sp>
         </mc:Fallback>
       </mc:AlternateContent>
-      <mc:AlternateContent xmlns:mc="http://schemas.openxmlformats.org/markup-compatibility/2006">
-        <mc:Choice xmlns:a14="http://schemas.microsoft.com/office/drawing/2010/main" Requires="a14">
+      <mc:AlternateContent xmlns:mc="http://schemas.openxmlformats.org/markup-compatibility/2006" xmlns:a14="http://schemas.microsoft.com/office/drawing/2010/main">
+        <mc:Choice Requires="a14">
           <p:sp>
             <p:nvSpPr>
               <p:cNvPr id="3" name="Content Placeholder 2">
@@ -39608,7 +39598,7 @@
             </p:txBody>
           </p:sp>
         </mc:Choice>
-        <mc:Fallback>
+        <mc:Fallback xmlns="">
           <p:sp>
             <p:nvSpPr>
               <p:cNvPr id="3" name="Content Placeholder 2">
